--- a/Review PPTs/Breast Cancer Prediction Review 1.pptx
+++ b/Review PPTs/Breast Cancer Prediction Review 1.pptx
@@ -6375,18 +6375,6 @@
     <p:sldLayoutId id="2147483657" r:id="rId10"/>
     <p:sldLayoutId id="2147483658" r:id="rId11"/>
   </p:sldLayoutIdLst>
-  <mc:AlternateContent>
-    <mc:Choice Requires="p14">
-      <p:transition spd="slow" p14:dur="1000">
-        <p:push/>
-      </p:transition>
-    </mc:Choice>
-    <mc:Fallback>
-      <p:transition spd="slow">
-        <p:fade/>
-      </p:transition>
-    </mc:Fallback>
-  </mc:AlternateContent>
   <p:hf dt="0" ftr="0" hdr="0" sldNum="0"/>
   <p:txStyles>
     <p:titleStyle>
@@ -9092,7 +9080,7 @@
                   <a:schemeClr val="lt1"/>
                 </a:solidFill>
               </a:rPr>
-              <a:t>MODEL</a:t>
+              <a:t>MODELS</a:t>
             </a:r>
             <a:endParaRPr sz="3600">
               <a:solidFill>
@@ -9112,8 +9100,8 @@
         </p:nvSpPr>
         <p:spPr>
           <a:xfrm>
-            <a:off x="221550" y="976375"/>
-            <a:ext cx="8700900" cy="3910200"/>
+            <a:off x="151500" y="989300"/>
+            <a:ext cx="8841000" cy="3960300"/>
           </a:xfrm>
           <a:prstGeom prst="rect">
             <a:avLst/>
@@ -9170,7 +9158,7 @@
                 <a:cs typeface="Georgia"/>
                 <a:sym typeface="Georgia"/>
               </a:rPr>
-              <a:t> : It is used in statistical software to understand the relationship between the dependent variable and one or more independent variables by estimating probabilities using a logistic regression equation.</a:t>
+              <a:t> : It is used in statistical software to understand the relationship between the dependent variable and one or more independent variables by estimating probabilities using a logistic regression equation. Logistic Regression is used when the dependent variable(target) is categorical.</a:t>
             </a:r>
             <a:endParaRPr b="1" sz="1700">
               <a:solidFill>
@@ -9241,11 +9229,26 @@
                 <a:cs typeface="Georgia"/>
                 <a:sym typeface="Georgia"/>
               </a:rPr>
-              <a:t>This algorithm is a simple, easy-to-implement supervised machine learning algorithm that can be used to solve both classification and regression problems.</a:t>
+              <a:t>This algorithm is a simple, easy-to-implement supervised machine learning algorithm that can be used to solve both classification and regression problems. It </a:t>
+            </a:r>
+            <a:r>
+              <a:rPr lang="en" sz="1700">
+                <a:solidFill>
+                  <a:schemeClr val="dk2"/>
+                </a:solidFill>
+                <a:highlight>
+                  <a:srgbClr val="FFFFFF"/>
+                </a:highlight>
+                <a:latin typeface="Georgia"/>
+                <a:ea typeface="Georgia"/>
+                <a:cs typeface="Georgia"/>
+                <a:sym typeface="Georgia"/>
+              </a:rPr>
+              <a:t>assumes the similarity between the new case/data and available cases and put the new case into the category that is most similar to the available categories</a:t>
             </a:r>
             <a:endParaRPr sz="1700">
               <a:solidFill>
-                <a:srgbClr val="202124"/>
+                <a:schemeClr val="dk2"/>
               </a:solidFill>
               <a:highlight>
                 <a:srgbClr val="FFFFFF"/>
@@ -9275,7 +9278,7 @@
                   <a:schemeClr val="dk2"/>
                 </a:solidFill>
                 <a:highlight>
-                  <a:srgbClr val="FFFFFF"/>
+                  <a:schemeClr val="lt1"/>
                 </a:highlight>
                 <a:latin typeface="Georgia"/>
                 <a:ea typeface="Georgia"/>
@@ -9290,7 +9293,7 @@
                   <a:schemeClr val="dk2"/>
                 </a:solidFill>
                 <a:highlight>
-                  <a:srgbClr val="FFFFFF"/>
+                  <a:schemeClr val="lt1"/>
                 </a:highlight>
                 <a:latin typeface="Georgia"/>
                 <a:ea typeface="Georgia"/>
@@ -9305,18 +9308,18 @@
                   <a:srgbClr val="202124"/>
                 </a:solidFill>
                 <a:highlight>
-                  <a:srgbClr val="FFFFFF"/>
+                  <a:schemeClr val="lt1"/>
                 </a:highlight>
                 <a:latin typeface="Georgia"/>
                 <a:ea typeface="Georgia"/>
                 <a:cs typeface="Georgia"/>
                 <a:sym typeface="Georgia"/>
               </a:rPr>
-              <a:t>It is a classification technique based on Bayes' Theorem with an assumption of independence among predictors. In simple terms, a Naive Bayes classifier assumes that the presence of a particular feature in a class is unrelated to the presence of any other feature.</a:t>
+              <a:t>It is a classification technique based on Bayes' Theorem with </a:t>
             </a:r>
             <a:endParaRPr sz="1700">
               <a:solidFill>
-                <a:srgbClr val="202124"/>
+                <a:schemeClr val="dk2"/>
               </a:solidFill>
               <a:highlight>
                 <a:srgbClr val="FFFFFF"/>
@@ -9362,8 +9365,8 @@
         </p:nvSpPr>
         <p:spPr>
           <a:xfrm>
-            <a:off x="385350" y="710475"/>
-            <a:ext cx="8373300" cy="3318600"/>
+            <a:off x="137550" y="25800"/>
+            <a:ext cx="8868900" cy="5091900"/>
           </a:xfrm>
           <a:prstGeom prst="rect">
             <a:avLst/>
@@ -9378,6 +9381,52 @@
             <a:spAutoFit/>
           </a:bodyPr>
           <a:lstStyle/>
+          <a:p>
+            <a:pPr indent="0" lvl="0" marL="0" rtl="0" algn="just">
+              <a:lnSpc>
+                <a:spcPct val="140000"/>
+              </a:lnSpc>
+              <a:spcBef>
+                <a:spcPts val="2400"/>
+              </a:spcBef>
+              <a:spcAft>
+                <a:spcPts val="0"/>
+              </a:spcAft>
+              <a:buClr>
+                <a:schemeClr val="dk2"/>
+              </a:buClr>
+              <a:buSzPts val="1100"/>
+              <a:buFont typeface="Arial"/>
+              <a:buNone/>
+            </a:pPr>
+            <a:r>
+              <a:rPr lang="en" sz="1700">
+                <a:solidFill>
+                  <a:srgbClr val="202124"/>
+                </a:solidFill>
+                <a:highlight>
+                  <a:schemeClr val="lt1"/>
+                </a:highlight>
+                <a:latin typeface="Georgia"/>
+                <a:ea typeface="Georgia"/>
+                <a:cs typeface="Georgia"/>
+                <a:sym typeface="Georgia"/>
+              </a:rPr>
+              <a:t>an assumption of independence among predictors. It is a probabilistic classifier, which means it predicts on the basis of the probability of an object.</a:t>
+            </a:r>
+            <a:endParaRPr sz="1700">
+              <a:solidFill>
+                <a:srgbClr val="202124"/>
+              </a:solidFill>
+              <a:highlight>
+                <a:schemeClr val="lt1"/>
+              </a:highlight>
+              <a:latin typeface="Georgia"/>
+              <a:ea typeface="Georgia"/>
+              <a:cs typeface="Georgia"/>
+              <a:sym typeface="Georgia"/>
+            </a:endParaRPr>
+          </a:p>
           <a:p>
             <a:pPr indent="0" lvl="0" marL="0" rtl="0" algn="just">
               <a:lnSpc>
@@ -9472,7 +9521,7 @@
                 <a:cs typeface="Georgia"/>
                 <a:sym typeface="Georgia"/>
               </a:rPr>
-              <a:t>XGBoost is a decision-tree-based ensemble Machine Learning algorithm that uses a gradient boosting framework. In prediction problems involving unstructured data (images, text, etc.) ... A wide range of applications: Can be used to solve regression, classification, ranking, and user-defined prediction problems.</a:t>
+              <a:t>XGBoost is a decision-tree-based ensemble Machine Learning algorithm that uses a gradient boosting framework. Weights play an important role in XGBoost. Weights are assigned to all the independent variables which are then fed into the decision tree which predicts results. The weight of variables predicted wrong by the tree is increased and these variables are then fed to the second decision tree. These individual classifiers/predictors then ensemble to give a strong and more precise model.</a:t>
             </a:r>
             <a:endParaRPr sz="1700">
               <a:solidFill>
